--- a/DSP实验课_实验一.pptx
+++ b/DSP实验课_实验一.pptx
@@ -8206,7 +8206,15 @@
               </a:r>
               <a:r>
                 <a:rPr lang="zh-CN" altLang="en-US" dirty="0" smtClean="0"/>
-                <a:t>参考资料下载：</a:t>
+                <a:t>参考资料下载</a:t>
+              </a:r>
+              <a:r>
+                <a:rPr lang="zh-CN" altLang="en-US" dirty="0" smtClean="0"/>
+                <a:t>：</a:t>
+              </a:r>
+              <a:r>
+                <a:rPr lang="en-US" altLang="zh-CN" dirty="0"/>
+                <a:t>https://www.github.com/kangzhiheng/TMS320C6748</a:t>
               </a:r>
               <a:endParaRPr lang="en-US" altLang="zh-CN" dirty="0"/>
             </a:p>
